--- a/PRD2018-G19-UML翻转PPT(图介绍).pptx
+++ b/PRD2018-G19-UML翻转PPT(图介绍).pptx
@@ -151,7 +151,7 @@
   </p:defaultTextStyle>
   <p:extLst>
     <p:ext uri="{EFAFB233-063F-42B5-8137-9DF3F51BA10A}">
-      <p15:sldGuideLst xmlns="" xmlns:p15="http://schemas.microsoft.com/office/powerpoint/2012/main">
+      <p15:sldGuideLst xmlns:p15="http://schemas.microsoft.com/office/powerpoint/2012/main" xmlns="">
         <p15:guide id="1" orient="horz" pos="1620">
           <p15:clr>
             <a:srgbClr val="A4A3A4"/>
@@ -195,7 +195,7 @@
           <p:cNvPr id="2" name="页眉占位符 1">
             <a:extLst>
               <a:ext uri="{FF2B5EF4-FFF2-40B4-BE49-F238E27FC236}">
-                <a16:creationId xmlns="" xmlns:a16="http://schemas.microsoft.com/office/drawing/2014/main" id="{85285D46-BEB0-400C-83B7-12F3C8814C2C}"/>
+                <a16:creationId xmlns:a16="http://schemas.microsoft.com/office/drawing/2014/main" xmlns="" id="{85285D46-BEB0-400C-83B7-12F3C8814C2C}"/>
               </a:ext>
             </a:extLst>
           </p:cNvPr>
@@ -232,7 +232,7 @@
           <p:cNvPr id="3" name="日期占位符 2">
             <a:extLst>
               <a:ext uri="{FF2B5EF4-FFF2-40B4-BE49-F238E27FC236}">
-                <a16:creationId xmlns="" xmlns:a16="http://schemas.microsoft.com/office/drawing/2014/main" id="{C2FCFC61-E3B1-4F61-A76B-D88F72CA6847}"/>
+                <a16:creationId xmlns:a16="http://schemas.microsoft.com/office/drawing/2014/main" xmlns="" id="{C2FCFC61-E3B1-4F61-A76B-D88F72CA6847}"/>
               </a:ext>
             </a:extLst>
           </p:cNvPr>
@@ -273,7 +273,7 @@
           <p:cNvPr id="4" name="幻灯片图像占位符 3">
             <a:extLst>
               <a:ext uri="{FF2B5EF4-FFF2-40B4-BE49-F238E27FC236}">
-                <a16:creationId xmlns="" xmlns:a16="http://schemas.microsoft.com/office/drawing/2014/main" id="{20253C2E-4150-49D3-A0EC-270102FBFC5B}"/>
+                <a16:creationId xmlns:a16="http://schemas.microsoft.com/office/drawing/2014/main" xmlns="" id="{20253C2E-4150-49D3-A0EC-270102FBFC5B}"/>
               </a:ext>
             </a:extLst>
           </p:cNvPr>
@@ -312,7 +312,7 @@
           <p:cNvPr id="5" name="备注占位符 4">
             <a:extLst>
               <a:ext uri="{FF2B5EF4-FFF2-40B4-BE49-F238E27FC236}">
-                <a16:creationId xmlns="" xmlns:a16="http://schemas.microsoft.com/office/drawing/2014/main" id="{D54C391C-3345-4254-84BA-7F8EF40F51AD}"/>
+                <a16:creationId xmlns:a16="http://schemas.microsoft.com/office/drawing/2014/main" xmlns="" id="{D54C391C-3345-4254-84BA-7F8EF40F51AD}"/>
               </a:ext>
             </a:extLst>
           </p:cNvPr>
@@ -377,7 +377,7 @@
           <p:cNvPr id="6" name="页脚占位符 5">
             <a:extLst>
               <a:ext uri="{FF2B5EF4-FFF2-40B4-BE49-F238E27FC236}">
-                <a16:creationId xmlns="" xmlns:a16="http://schemas.microsoft.com/office/drawing/2014/main" id="{44E0A275-46B9-4C63-92E4-848D024AE381}"/>
+                <a16:creationId xmlns:a16="http://schemas.microsoft.com/office/drawing/2014/main" xmlns="" id="{44E0A275-46B9-4C63-92E4-848D024AE381}"/>
               </a:ext>
             </a:extLst>
           </p:cNvPr>
@@ -414,7 +414,7 @@
           <p:cNvPr id="7" name="灯片编号占位符 6">
             <a:extLst>
               <a:ext uri="{FF2B5EF4-FFF2-40B4-BE49-F238E27FC236}">
-                <a16:creationId xmlns="" xmlns:a16="http://schemas.microsoft.com/office/drawing/2014/main" id="{A90F6480-9CBF-4E4A-A083-48439A52EF58}"/>
+                <a16:creationId xmlns:a16="http://schemas.microsoft.com/office/drawing/2014/main" xmlns="" id="{A90F6480-9CBF-4E4A-A083-48439A52EF58}"/>
               </a:ext>
             </a:extLst>
           </p:cNvPr>
@@ -4060,6 +4060,13 @@
   <p:clrMapOvr>
     <a:masterClrMapping/>
   </p:clrMapOvr>
+  <p:timing>
+    <p:tnLst>
+      <p:par>
+        <p:cTn id="1" dur="indefinite" restart="never" nodeType="tmRoot"/>
+      </p:par>
+    </p:tnLst>
+  </p:timing>
 </p:sld>
 </file>
 
@@ -5144,7 +5151,7 @@
           <p:cNvPr id="15" name="图片 14" descr="图片包含 文字, 地图&#10;&#10;已生成极高可信度的说明">
             <a:extLst>
               <a:ext uri="{FF2B5EF4-FFF2-40B4-BE49-F238E27FC236}">
-                <a16:creationId xmlns="" xmlns:a16="http://schemas.microsoft.com/office/drawing/2014/main" id="{435B48E2-B5C7-473C-9DBE-8B2C69357DA4}"/>
+                <a16:creationId xmlns:a16="http://schemas.microsoft.com/office/drawing/2014/main" xmlns="" id="{435B48E2-B5C7-473C-9DBE-8B2C69357DA4}"/>
               </a:ext>
             </a:extLst>
           </p:cNvPr>
@@ -5197,6 +5204,13 @@
       </p:transition>
     </mc:Fallback>
   </mc:AlternateContent>
+  <p:timing>
+    <p:tnLst>
+      <p:par>
+        <p:cTn id="1" dur="indefinite" restart="never" nodeType="tmRoot"/>
+      </p:par>
+    </p:tnLst>
+  </p:timing>
 </p:sld>
 </file>
 
@@ -7127,7 +7141,7 @@
           <p:cNvPr id="6" name="文本框 5">
             <a:extLst>
               <a:ext uri="{FF2B5EF4-FFF2-40B4-BE49-F238E27FC236}">
-                <a16:creationId xmlns="" xmlns:a16="http://schemas.microsoft.com/office/drawing/2014/main" id="{4E32E6F2-6ACC-493B-9394-1C49837F111D}"/>
+                <a16:creationId xmlns:a16="http://schemas.microsoft.com/office/drawing/2014/main" xmlns="" id="{4E32E6F2-6ACC-493B-9394-1C49837F111D}"/>
               </a:ext>
             </a:extLst>
           </p:cNvPr>
@@ -7182,6 +7196,13 @@
       </p:transition>
     </mc:Fallback>
   </mc:AlternateContent>
+  <p:timing>
+    <p:tnLst>
+      <p:par>
+        <p:cTn id="1" dur="indefinite" restart="never" nodeType="tmRoot"/>
+      </p:par>
+    </p:tnLst>
+  </p:timing>
 </p:sld>
 </file>
 
@@ -7775,6 +7796,13 @@
       </p:transition>
     </mc:Fallback>
   </mc:AlternateContent>
+  <p:timing>
+    <p:tnLst>
+      <p:par>
+        <p:cTn id="1" dur="indefinite" restart="never" nodeType="tmRoot"/>
+      </p:par>
+    </p:tnLst>
+  </p:timing>
 </p:sld>
 </file>
 
@@ -8194,7 +8222,7 @@
           <p:cNvPr id="9" name="图片 8" descr="图片包含 文字&#10;&#10;已生成高可信度的说明">
             <a:extLst>
               <a:ext uri="{FF2B5EF4-FFF2-40B4-BE49-F238E27FC236}">
-                <a16:creationId xmlns="" xmlns:a16="http://schemas.microsoft.com/office/drawing/2014/main" id="{F8E9B23A-A7DE-4470-A262-D22EAB97908E}"/>
+                <a16:creationId xmlns:a16="http://schemas.microsoft.com/office/drawing/2014/main" xmlns="" id="{F8E9B23A-A7DE-4470-A262-D22EAB97908E}"/>
               </a:ext>
             </a:extLst>
           </p:cNvPr>
@@ -8247,6 +8275,13 @@
       </p:transition>
     </mc:Fallback>
   </mc:AlternateContent>
+  <p:timing>
+    <p:tnLst>
+      <p:par>
+        <p:cTn id="1" dur="indefinite" restart="never" nodeType="tmRoot"/>
+      </p:par>
+    </p:tnLst>
+  </p:timing>
 </p:sld>
 </file>
 
@@ -10182,6 +10217,13 @@
       </p:transition>
     </mc:Fallback>
   </mc:AlternateContent>
+  <p:timing>
+    <p:tnLst>
+      <p:par>
+        <p:cTn id="1" dur="indefinite" restart="never" nodeType="tmRoot"/>
+      </p:par>
+    </p:tnLst>
+  </p:timing>
 </p:sld>
 </file>
 
@@ -10686,6 +10728,13 @@
       </p:transition>
     </mc:Fallback>
   </mc:AlternateContent>
+  <p:timing>
+    <p:tnLst>
+      <p:par>
+        <p:cTn id="1" dur="indefinite" restart="never" nodeType="tmRoot"/>
+      </p:par>
+    </p:tnLst>
+  </p:timing>
 </p:sld>
 </file>
 
@@ -11105,7 +11154,7 @@
           <p:cNvPr id="15" name="图片 14" descr="图片包含 屏幕截图&#10;&#10;已生成极高可信度的说明">
             <a:extLst>
               <a:ext uri="{FF2B5EF4-FFF2-40B4-BE49-F238E27FC236}">
-                <a16:creationId xmlns="" xmlns:a16="http://schemas.microsoft.com/office/drawing/2014/main" id="{882B236B-ECDA-41C1-BA01-3018A9DD22E1}"/>
+                <a16:creationId xmlns:a16="http://schemas.microsoft.com/office/drawing/2014/main" xmlns="" id="{882B236B-ECDA-41C1-BA01-3018A9DD22E1}"/>
               </a:ext>
             </a:extLst>
           </p:cNvPr>
@@ -11158,6 +11207,13 @@
       </p:transition>
     </mc:Fallback>
   </mc:AlternateContent>
+  <p:timing>
+    <p:tnLst>
+      <p:par>
+        <p:cTn id="1" dur="indefinite" restart="never" nodeType="tmRoot"/>
+      </p:par>
+    </p:tnLst>
+  </p:timing>
 </p:sld>
 </file>
 
@@ -13881,6 +13937,13 @@
       </p:transition>
     </mc:Fallback>
   </mc:AlternateContent>
+  <p:timing>
+    <p:tnLst>
+      <p:par>
+        <p:cTn id="1" dur="indefinite" restart="never" nodeType="tmRoot"/>
+      </p:par>
+    </p:tnLst>
+  </p:timing>
 </p:sld>
 </file>
 
@@ -14447,6 +14510,13 @@
       </p:transition>
     </mc:Fallback>
   </mc:AlternateContent>
+  <p:timing>
+    <p:tnLst>
+      <p:par>
+        <p:cTn id="1" dur="indefinite" restart="never" nodeType="tmRoot"/>
+      </p:par>
+    </p:tnLst>
+  </p:timing>
 </p:sld>
 </file>
 
@@ -14973,6 +15043,13 @@
       </p:transition>
     </mc:Fallback>
   </mc:AlternateContent>
+  <p:timing>
+    <p:tnLst>
+      <p:par>
+        <p:cTn id="1" dur="indefinite" restart="never" nodeType="tmRoot"/>
+      </p:par>
+    </p:tnLst>
+  </p:timing>
 </p:sld>
 </file>
 
@@ -15392,7 +15469,7 @@
           <p:cNvPr id="13" name="图片 3">
             <a:extLst>
               <a:ext uri="{FF2B5EF4-FFF2-40B4-BE49-F238E27FC236}">
-                <a16:creationId xmlns="" xmlns:a16="http://schemas.microsoft.com/office/drawing/2014/main" id="{93E52281-CF17-439B-82D0-E2FA74E87930}"/>
+                <a16:creationId xmlns:a16="http://schemas.microsoft.com/office/drawing/2014/main" xmlns="" id="{93E52281-CF17-439B-82D0-E2FA74E87930}"/>
               </a:ext>
             </a:extLst>
           </p:cNvPr>
@@ -15469,6 +15546,13 @@
       </p:transition>
     </mc:Fallback>
   </mc:AlternateContent>
+  <p:timing>
+    <p:tnLst>
+      <p:par>
+        <p:cTn id="1" dur="indefinite" restart="never" nodeType="tmRoot"/>
+      </p:par>
+    </p:tnLst>
+  </p:timing>
 </p:sld>
 </file>
 
@@ -19038,7 +19122,7 @@
           <p:cNvPr id="13" name="Picture 2">
             <a:extLst>
               <a:ext uri="{FF2B5EF4-FFF2-40B4-BE49-F238E27FC236}">
-                <a16:creationId xmlns="" xmlns:a16="http://schemas.microsoft.com/office/drawing/2014/main" id="{BF885007-D9D1-44B1-BFAF-4845CA1ECCBC}"/>
+                <a16:creationId xmlns:a16="http://schemas.microsoft.com/office/drawing/2014/main" xmlns="" id="{BF885007-D9D1-44B1-BFAF-4845CA1ECCBC}"/>
               </a:ext>
             </a:extLst>
           </p:cNvPr>
@@ -23294,7 +23378,7 @@
           <p:cNvPr id="10" name="图片 9">
             <a:extLst>
               <a:ext uri="{FF2B5EF4-FFF2-40B4-BE49-F238E27FC236}">
-                <a16:creationId xmlns="" xmlns:a16="http://schemas.microsoft.com/office/drawing/2014/main" id="{D99B8CA8-8540-43EF-B7BE-9DA616D45CBF}"/>
+                <a16:creationId xmlns:a16="http://schemas.microsoft.com/office/drawing/2014/main" xmlns="" id="{D99B8CA8-8540-43EF-B7BE-9DA616D45CBF}"/>
               </a:ext>
             </a:extLst>
           </p:cNvPr>
@@ -23347,6 +23431,13 @@
       </p:transition>
     </mc:Fallback>
   </mc:AlternateContent>
+  <p:timing>
+    <p:tnLst>
+      <p:par>
+        <p:cTn id="1" dur="indefinite" restart="never" nodeType="tmRoot"/>
+      </p:par>
+    </p:tnLst>
+  </p:timing>
 </p:sld>
 </file>
 
@@ -26381,7 +26472,7 @@
           <p:cNvPr id="9" name="文本框 8">
             <a:extLst>
               <a:ext uri="{FF2B5EF4-FFF2-40B4-BE49-F238E27FC236}">
-                <a16:creationId xmlns="" xmlns:a16="http://schemas.microsoft.com/office/drawing/2014/main" id="{4E23A63D-B95D-41AF-8B6E-181046552BEF}"/>
+                <a16:creationId xmlns:a16="http://schemas.microsoft.com/office/drawing/2014/main" xmlns="" id="{4E23A63D-B95D-41AF-8B6E-181046552BEF}"/>
               </a:ext>
             </a:extLst>
           </p:cNvPr>
@@ -26941,7 +27032,7 @@
           <p:cNvPr id="9" name="文本框 8">
             <a:extLst>
               <a:ext uri="{FF2B5EF4-FFF2-40B4-BE49-F238E27FC236}">
-                <a16:creationId xmlns="" xmlns:a16="http://schemas.microsoft.com/office/drawing/2014/main" id="{E3C344D0-4B1A-4394-8066-33B96ABD1FE4}"/>
+                <a16:creationId xmlns:a16="http://schemas.microsoft.com/office/drawing/2014/main" xmlns="" id="{E3C344D0-4B1A-4394-8066-33B96ABD1FE4}"/>
               </a:ext>
             </a:extLst>
           </p:cNvPr>
@@ -27515,7 +27606,7 @@
           <p:cNvPr id="9" name="文本框 8">
             <a:extLst>
               <a:ext uri="{FF2B5EF4-FFF2-40B4-BE49-F238E27FC236}">
-                <a16:creationId xmlns="" xmlns:a16="http://schemas.microsoft.com/office/drawing/2014/main" id="{99673D6D-5D28-4A98-A5CF-09B336EAA9A3}"/>
+                <a16:creationId xmlns:a16="http://schemas.microsoft.com/office/drawing/2014/main" xmlns="" id="{99673D6D-5D28-4A98-A5CF-09B336EAA9A3}"/>
               </a:ext>
             </a:extLst>
           </p:cNvPr>
@@ -28082,7 +28173,7 @@
           <p:cNvPr id="9" name="文本框 8">
             <a:extLst>
               <a:ext uri="{FF2B5EF4-FFF2-40B4-BE49-F238E27FC236}">
-                <a16:creationId xmlns="" xmlns:a16="http://schemas.microsoft.com/office/drawing/2014/main" id="{D12DCAD4-4A73-417C-BF82-0937A93FF071}"/>
+                <a16:creationId xmlns:a16="http://schemas.microsoft.com/office/drawing/2014/main" xmlns="" id="{D12DCAD4-4A73-417C-BF82-0937A93FF071}"/>
               </a:ext>
             </a:extLst>
           </p:cNvPr>
@@ -28642,7 +28733,7 @@
           <p:cNvPr id="9" name="文本框 8">
             <a:extLst>
               <a:ext uri="{FF2B5EF4-FFF2-40B4-BE49-F238E27FC236}">
-                <a16:creationId xmlns="" xmlns:a16="http://schemas.microsoft.com/office/drawing/2014/main" id="{10770234-1EFF-42B0-840D-AAB90A6BE992}"/>
+                <a16:creationId xmlns:a16="http://schemas.microsoft.com/office/drawing/2014/main" xmlns="" id="{10770234-1EFF-42B0-840D-AAB90A6BE992}"/>
               </a:ext>
             </a:extLst>
           </p:cNvPr>
@@ -31340,7 +31431,7 @@
           <p:cNvPr id="23" name="环形箭头 19">
             <a:extLst>
               <a:ext uri="{FF2B5EF4-FFF2-40B4-BE49-F238E27FC236}">
-                <a16:creationId xmlns="" xmlns:a16="http://schemas.microsoft.com/office/drawing/2014/main" id="{FA666D96-6D5A-438C-804A-29F3527CFA21}"/>
+                <a16:creationId xmlns:a16="http://schemas.microsoft.com/office/drawing/2014/main" xmlns="" id="{FA666D96-6D5A-438C-804A-29F3527CFA21}"/>
               </a:ext>
             </a:extLst>
           </p:cNvPr>
@@ -31423,7 +31514,7 @@
           <p:cNvPr id="24" name="环形箭头 19">
             <a:extLst>
               <a:ext uri="{FF2B5EF4-FFF2-40B4-BE49-F238E27FC236}">
-                <a16:creationId xmlns="" xmlns:a16="http://schemas.microsoft.com/office/drawing/2014/main" id="{B68FFC12-8746-4582-9515-76FCF2E8EB75}"/>
+                <a16:creationId xmlns:a16="http://schemas.microsoft.com/office/drawing/2014/main" xmlns="" id="{B68FFC12-8746-4582-9515-76FCF2E8EB75}"/>
               </a:ext>
             </a:extLst>
           </p:cNvPr>
@@ -31506,7 +31597,7 @@
           <p:cNvPr id="25" name="直接箭头连接符 8">
             <a:extLst>
               <a:ext uri="{FF2B5EF4-FFF2-40B4-BE49-F238E27FC236}">
-                <a16:creationId xmlns="" xmlns:a16="http://schemas.microsoft.com/office/drawing/2014/main" id="{CBCD7C82-EA42-4F97-9A58-9D78750BF52C}"/>
+                <a16:creationId xmlns:a16="http://schemas.microsoft.com/office/drawing/2014/main" xmlns="" id="{CBCD7C82-EA42-4F97-9A58-9D78750BF52C}"/>
               </a:ext>
             </a:extLst>
           </p:cNvPr>
@@ -31547,7 +31638,7 @@
           <p:cNvPr id="26" name="直接箭头连接符 8">
             <a:extLst>
               <a:ext uri="{FF2B5EF4-FFF2-40B4-BE49-F238E27FC236}">
-                <a16:creationId xmlns="" xmlns:a16="http://schemas.microsoft.com/office/drawing/2014/main" id="{E7897EFF-745F-4D27-932F-2E7C3FD99B8E}"/>
+                <a16:creationId xmlns:a16="http://schemas.microsoft.com/office/drawing/2014/main" xmlns="" id="{E7897EFF-745F-4D27-932F-2E7C3FD99B8E}"/>
               </a:ext>
             </a:extLst>
           </p:cNvPr>
@@ -31588,7 +31679,7 @@
           <p:cNvPr id="27" name="文本框 8">
             <a:extLst>
               <a:ext uri="{FF2B5EF4-FFF2-40B4-BE49-F238E27FC236}">
-                <a16:creationId xmlns:a16="http://schemas.microsoft.com/office/drawing/2014/main" xmlns="" id="{07602447-02AD-4115-AFF1-63EF5D33BCCB}"/>
+                <a16:creationId xmlns="" xmlns:a16="http://schemas.microsoft.com/office/drawing/2014/main" id="{07602447-02AD-4115-AFF1-63EF5D33BCCB}"/>
               </a:ext>
             </a:extLst>
           </p:cNvPr>
@@ -31638,16 +31729,9 @@
                 <a:latin typeface="微软雅黑" pitchFamily="34" charset="-122"/>
                 <a:ea typeface="微软雅黑" pitchFamily="34" charset="-122"/>
               </a:rPr>
-              <a:t>文档</a:t>
-            </a:r>
-            <a:r>
-              <a:rPr lang="zh-CN" altLang="en-US" sz="1400" dirty="0">
-                <a:latin typeface="微软雅黑" pitchFamily="34" charset="-122"/>
-                <a:ea typeface="微软雅黑" pitchFamily="34" charset="-122"/>
-              </a:rPr>
-              <a:t>编写</a:t>
-            </a:r>
-            <a:endParaRPr lang="en-US" altLang="zh-CN" sz="1400" dirty="0">
+              <a:t>图形制作</a:t>
+            </a:r>
+            <a:endParaRPr lang="en-US" altLang="zh-CN" sz="1400" dirty="0" smtClean="0">
               <a:latin typeface="微软雅黑" pitchFamily="34" charset="-122"/>
               <a:ea typeface="微软雅黑" pitchFamily="34" charset="-122"/>
             </a:endParaRPr>
@@ -31680,7 +31764,7 @@
           <p:cNvPr id="28" name="文本框 9">
             <a:extLst>
               <a:ext uri="{FF2B5EF4-FFF2-40B4-BE49-F238E27FC236}">
-                <a16:creationId xmlns:a16="http://schemas.microsoft.com/office/drawing/2014/main" xmlns="" id="{A9A59B45-C43F-4C96-962C-7C48359643B4}"/>
+                <a16:creationId xmlns="" xmlns:a16="http://schemas.microsoft.com/office/drawing/2014/main" id="{A9A59B45-C43F-4C96-962C-7C48359643B4}"/>
               </a:ext>
             </a:extLst>
           </p:cNvPr>
@@ -31709,7 +31793,7 @@
                 <a:latin typeface="微软雅黑" pitchFamily="34" charset="-122"/>
                 <a:ea typeface="微软雅黑" pitchFamily="34" charset="-122"/>
               </a:rPr>
-              <a:t>文档编写</a:t>
+              <a:t>整理资料</a:t>
             </a:r>
             <a:endParaRPr lang="en-US" altLang="zh-CN" sz="1400" dirty="0">
               <a:latin typeface="微软雅黑" pitchFamily="34" charset="-122"/>
@@ -31719,7 +31803,7 @@
           <a:p>
             <a:pPr algn="ctr"/>
             <a:r>
-              <a:rPr lang="en-US" altLang="zh-CN" sz="1400" dirty="0">
+              <a:rPr lang="en-US" altLang="zh-CN" sz="1400" dirty="0" smtClean="0">
                 <a:latin typeface="微软雅黑" pitchFamily="34" charset="-122"/>
                 <a:ea typeface="微软雅黑" pitchFamily="34" charset="-122"/>
               </a:rPr>
@@ -31740,7 +31824,7 @@
           <p:cNvPr id="29" name="文本框 18">
             <a:extLst>
               <a:ext uri="{FF2B5EF4-FFF2-40B4-BE49-F238E27FC236}">
-                <a16:creationId xmlns:a16="http://schemas.microsoft.com/office/drawing/2014/main" xmlns="" id="{ACD90DBB-42B8-4C32-934E-759236349AF7}"/>
+                <a16:creationId xmlns="" xmlns:a16="http://schemas.microsoft.com/office/drawing/2014/main" id="{ACD90DBB-42B8-4C32-934E-759236349AF7}"/>
               </a:ext>
             </a:extLst>
           </p:cNvPr>
@@ -31749,8 +31833,8 @@
         </p:nvSpPr>
         <p:spPr>
           <a:xfrm>
-            <a:off x="3371373" y="2922498"/>
-            <a:ext cx="867545" cy="523220"/>
+            <a:off x="3353740" y="2922498"/>
+            <a:ext cx="902811" cy="523220"/>
           </a:xfrm>
           <a:prstGeom prst="rect">
             <a:avLst/>
@@ -31765,18 +31849,11 @@
           <a:p>
             <a:pPr algn="ctr"/>
             <a:r>
-              <a:rPr lang="en-US" altLang="zh-CN" sz="1400" dirty="0">
+              <a:rPr lang="zh-CN" altLang="en-US" sz="1400">
                 <a:latin typeface="微软雅黑" pitchFamily="34" charset="-122"/>
                 <a:ea typeface="微软雅黑" pitchFamily="34" charset="-122"/>
               </a:rPr>
-              <a:t>PPT</a:t>
-            </a:r>
-            <a:r>
-              <a:rPr lang="zh-CN" altLang="en-US" sz="1400" dirty="0">
-                <a:latin typeface="微软雅黑" pitchFamily="34" charset="-122"/>
-                <a:ea typeface="微软雅黑" pitchFamily="34" charset="-122"/>
-              </a:rPr>
-              <a:t>制作</a:t>
+              <a:t>整理资料</a:t>
             </a:r>
             <a:endParaRPr lang="en-US" altLang="zh-CN" sz="1400" dirty="0">
               <a:latin typeface="微软雅黑" pitchFamily="34" charset="-122"/>
@@ -31786,7 +31863,7 @@
           <a:p>
             <a:pPr algn="ctr"/>
             <a:r>
-              <a:rPr lang="en-US" altLang="zh-CN" sz="1400" dirty="0">
+              <a:rPr lang="en-US" altLang="zh-CN" sz="1400" dirty="0" smtClean="0">
                 <a:latin typeface="微软雅黑" pitchFamily="34" charset="-122"/>
                 <a:ea typeface="微软雅黑" pitchFamily="34" charset="-122"/>
               </a:rPr>
@@ -31807,7 +31884,7 @@
           <p:cNvPr id="30" name="文本框 20">
             <a:extLst>
               <a:ext uri="{FF2B5EF4-FFF2-40B4-BE49-F238E27FC236}">
-                <a16:creationId xmlns:a16="http://schemas.microsoft.com/office/drawing/2014/main" xmlns="" id="{7A7C482E-AC47-4C56-B510-2D5A29F7ECE4}"/>
+                <a16:creationId xmlns="" xmlns:a16="http://schemas.microsoft.com/office/drawing/2014/main" id="{7A7C482E-AC47-4C56-B510-2D5A29F7ECE4}"/>
               </a:ext>
             </a:extLst>
           </p:cNvPr>
@@ -31836,7 +31913,7 @@
                 <a:latin typeface="微软雅黑" pitchFamily="34" charset="-122"/>
                 <a:ea typeface="微软雅黑" pitchFamily="34" charset="-122"/>
               </a:rPr>
-              <a:t>文档编写</a:t>
+              <a:t>整理资料</a:t>
             </a:r>
             <a:endParaRPr lang="en-US" altLang="zh-CN" sz="1400" dirty="0" smtClean="0">
               <a:latin typeface="微软雅黑" pitchFamily="34" charset="-122"/>
@@ -31871,7 +31948,7 @@
           <p:cNvPr id="31" name="文本框 26">
             <a:extLst>
               <a:ext uri="{FF2B5EF4-FFF2-40B4-BE49-F238E27FC236}">
-                <a16:creationId xmlns:a16="http://schemas.microsoft.com/office/drawing/2014/main" xmlns="" id="{A00D046B-A449-4E4F-9956-34629797EDB7}"/>
+                <a16:creationId xmlns="" xmlns:a16="http://schemas.microsoft.com/office/drawing/2014/main" id="{A00D046B-A449-4E4F-9956-34629797EDB7}"/>
               </a:ext>
             </a:extLst>
           </p:cNvPr>
@@ -31900,7 +31977,7 @@
                 <a:latin typeface="微软雅黑" pitchFamily="34" charset="-122"/>
                 <a:ea typeface="微软雅黑" pitchFamily="34" charset="-122"/>
               </a:rPr>
-              <a:t>图形制作</a:t>
+              <a:t>整理资料</a:t>
             </a:r>
             <a:endParaRPr lang="en-US" altLang="zh-CN" sz="1400" dirty="0">
               <a:latin typeface="微软雅黑" pitchFamily="34" charset="-122"/>
@@ -31910,7 +31987,7 @@
           <a:p>
             <a:pPr algn="ctr"/>
             <a:r>
-              <a:rPr lang="en-US" altLang="zh-CN" sz="1400" dirty="0">
+              <a:rPr lang="en-US" altLang="zh-CN" sz="1400" dirty="0" smtClean="0">
                 <a:latin typeface="微软雅黑" pitchFamily="34" charset="-122"/>
                 <a:ea typeface="微软雅黑" pitchFamily="34" charset="-122"/>
               </a:rPr>
@@ -31947,603 +32024,15 @@
   <p:clrMapOvr>
     <a:masterClrMapping/>
   </p:clrMapOvr>
+  <p:transition spd="slow">
+    <p:wipe/>
+  </p:transition>
   <p:timing>
     <p:tnLst>
       <p:par>
-        <p:cTn id="1" dur="indefinite" restart="never" nodeType="tmRoot">
-          <p:childTnLst>
-            <p:seq concurrent="1" nextAc="seek">
-              <p:cTn id="2" dur="indefinite" nodeType="mainSeq">
-                <p:childTnLst>
-                  <p:par>
-                    <p:cTn id="3" fill="hold">
-                      <p:stCondLst>
-                        <p:cond delay="indefinite"/>
-                        <p:cond evt="onBegin" delay="0">
-                          <p:tn val="2"/>
-                        </p:cond>
-                      </p:stCondLst>
-                      <p:childTnLst>
-                        <p:par>
-                          <p:cTn id="4" fill="hold">
-                            <p:stCondLst>
-                              <p:cond delay="0"/>
-                            </p:stCondLst>
-                            <p:childTnLst>
-                              <p:par>
-                                <p:cTn id="5" presetID="2" presetClass="entr" presetSubtype="8" fill="hold" grpId="0" nodeType="withEffect">
-                                  <p:stCondLst>
-                                    <p:cond delay="0"/>
-                                  </p:stCondLst>
-                                  <p:childTnLst>
-                                    <p:set>
-                                      <p:cBhvr>
-                                        <p:cTn id="6" dur="1" fill="hold">
-                                          <p:stCondLst>
-                                            <p:cond delay="0"/>
-                                          </p:stCondLst>
-                                        </p:cTn>
-                                        <p:tgtEl>
-                                          <p:spTgt spid="18"/>
-                                        </p:tgtEl>
-                                        <p:attrNameLst>
-                                          <p:attrName>style.visibility</p:attrName>
-                                        </p:attrNameLst>
-                                      </p:cBhvr>
-                                      <p:to>
-                                        <p:strVal val="visible"/>
-                                      </p:to>
-                                    </p:set>
-                                    <p:anim calcmode="lin" valueType="num">
-                                      <p:cBhvr additive="base">
-                                        <p:cTn id="7" dur="500" fill="hold"/>
-                                        <p:tgtEl>
-                                          <p:spTgt spid="18"/>
-                                        </p:tgtEl>
-                                        <p:attrNameLst>
-                                          <p:attrName>ppt_x</p:attrName>
-                                        </p:attrNameLst>
-                                      </p:cBhvr>
-                                      <p:tavLst>
-                                        <p:tav tm="0">
-                                          <p:val>
-                                            <p:strVal val="0-#ppt_w/2"/>
-                                          </p:val>
-                                        </p:tav>
-                                        <p:tav tm="100000">
-                                          <p:val>
-                                            <p:strVal val="#ppt_x"/>
-                                          </p:val>
-                                        </p:tav>
-                                      </p:tavLst>
-                                    </p:anim>
-                                    <p:anim calcmode="lin" valueType="num">
-                                      <p:cBhvr additive="base">
-                                        <p:cTn id="8" dur="500" fill="hold"/>
-                                        <p:tgtEl>
-                                          <p:spTgt spid="18"/>
-                                        </p:tgtEl>
-                                        <p:attrNameLst>
-                                          <p:attrName>ppt_y</p:attrName>
-                                        </p:attrNameLst>
-                                      </p:cBhvr>
-                                      <p:tavLst>
-                                        <p:tav tm="0">
-                                          <p:val>
-                                            <p:strVal val="#ppt_y"/>
-                                          </p:val>
-                                        </p:tav>
-                                        <p:tav tm="100000">
-                                          <p:val>
-                                            <p:strVal val="#ppt_y"/>
-                                          </p:val>
-                                        </p:tav>
-                                      </p:tavLst>
-                                    </p:anim>
-                                  </p:childTnLst>
-                                </p:cTn>
-                              </p:par>
-                              <p:par>
-                                <p:cTn id="9" presetID="2" presetClass="entr" presetSubtype="8" fill="hold" grpId="0" nodeType="withEffect">
-                                  <p:stCondLst>
-                                    <p:cond delay="0"/>
-                                  </p:stCondLst>
-                                  <p:childTnLst>
-                                    <p:set>
-                                      <p:cBhvr>
-                                        <p:cTn id="10" dur="1" fill="hold">
-                                          <p:stCondLst>
-                                            <p:cond delay="0"/>
-                                          </p:stCondLst>
-                                        </p:cTn>
-                                        <p:tgtEl>
-                                          <p:spTgt spid="20"/>
-                                        </p:tgtEl>
-                                        <p:attrNameLst>
-                                          <p:attrName>style.visibility</p:attrName>
-                                        </p:attrNameLst>
-                                      </p:cBhvr>
-                                      <p:to>
-                                        <p:strVal val="visible"/>
-                                      </p:to>
-                                    </p:set>
-                                    <p:anim calcmode="lin" valueType="num">
-                                      <p:cBhvr additive="base">
-                                        <p:cTn id="11" dur="500" fill="hold"/>
-                                        <p:tgtEl>
-                                          <p:spTgt spid="20"/>
-                                        </p:tgtEl>
-                                        <p:attrNameLst>
-                                          <p:attrName>ppt_x</p:attrName>
-                                        </p:attrNameLst>
-                                      </p:cBhvr>
-                                      <p:tavLst>
-                                        <p:tav tm="0">
-                                          <p:val>
-                                            <p:strVal val="0-#ppt_w/2"/>
-                                          </p:val>
-                                        </p:tav>
-                                        <p:tav tm="100000">
-                                          <p:val>
-                                            <p:strVal val="#ppt_x"/>
-                                          </p:val>
-                                        </p:tav>
-                                      </p:tavLst>
-                                    </p:anim>
-                                    <p:anim calcmode="lin" valueType="num">
-                                      <p:cBhvr additive="base">
-                                        <p:cTn id="12" dur="500" fill="hold"/>
-                                        <p:tgtEl>
-                                          <p:spTgt spid="20"/>
-                                        </p:tgtEl>
-                                        <p:attrNameLst>
-                                          <p:attrName>ppt_y</p:attrName>
-                                        </p:attrNameLst>
-                                      </p:cBhvr>
-                                      <p:tavLst>
-                                        <p:tav tm="0">
-                                          <p:val>
-                                            <p:strVal val="#ppt_y"/>
-                                          </p:val>
-                                        </p:tav>
-                                        <p:tav tm="100000">
-                                          <p:val>
-                                            <p:strVal val="#ppt_y"/>
-                                          </p:val>
-                                        </p:tav>
-                                      </p:tavLst>
-                                    </p:anim>
-                                  </p:childTnLst>
-                                </p:cTn>
-                              </p:par>
-                              <p:par>
-                                <p:cTn id="13" presetID="22" presetClass="entr" presetSubtype="1" fill="hold" nodeType="withEffect">
-                                  <p:stCondLst>
-                                    <p:cond delay="0"/>
-                                  </p:stCondLst>
-                                  <p:childTnLst>
-                                    <p:set>
-                                      <p:cBhvr>
-                                        <p:cTn id="14" dur="1" fill="hold">
-                                          <p:stCondLst>
-                                            <p:cond delay="0"/>
-                                          </p:stCondLst>
-                                        </p:cTn>
-                                        <p:tgtEl>
-                                          <p:spTgt spid="13"/>
-                                        </p:tgtEl>
-                                        <p:attrNameLst>
-                                          <p:attrName>style.visibility</p:attrName>
-                                        </p:attrNameLst>
-                                      </p:cBhvr>
-                                      <p:to>
-                                        <p:strVal val="visible"/>
-                                      </p:to>
-                                    </p:set>
-                                    <p:animEffect transition="in" filter="wipe(up)">
-                                      <p:cBhvr>
-                                        <p:cTn id="15" dur="500"/>
-                                        <p:tgtEl>
-                                          <p:spTgt spid="13"/>
-                                        </p:tgtEl>
-                                      </p:cBhvr>
-                                    </p:animEffect>
-                                  </p:childTnLst>
-                                </p:cTn>
-                              </p:par>
-                              <p:par>
-                                <p:cTn id="16" presetID="22" presetClass="entr" presetSubtype="1" fill="hold" nodeType="withEffect">
-                                  <p:stCondLst>
-                                    <p:cond delay="0"/>
-                                  </p:stCondLst>
-                                  <p:childTnLst>
-                                    <p:set>
-                                      <p:cBhvr>
-                                        <p:cTn id="17" dur="1" fill="hold">
-                                          <p:stCondLst>
-                                            <p:cond delay="0"/>
-                                          </p:stCondLst>
-                                        </p:cTn>
-                                        <p:tgtEl>
-                                          <p:spTgt spid="16"/>
-                                        </p:tgtEl>
-                                        <p:attrNameLst>
-                                          <p:attrName>style.visibility</p:attrName>
-                                        </p:attrNameLst>
-                                      </p:cBhvr>
-                                      <p:to>
-                                        <p:strVal val="visible"/>
-                                      </p:to>
-                                    </p:set>
-                                    <p:animEffect transition="in" filter="wipe(up)">
-                                      <p:cBhvr>
-                                        <p:cTn id="18" dur="500"/>
-                                        <p:tgtEl>
-                                          <p:spTgt spid="16"/>
-                                        </p:tgtEl>
-                                      </p:cBhvr>
-                                    </p:animEffect>
-                                  </p:childTnLst>
-                                </p:cTn>
-                              </p:par>
-                              <p:par>
-                                <p:cTn id="19" presetID="22" presetClass="entr" presetSubtype="1" fill="hold" nodeType="withEffect">
-                                  <p:stCondLst>
-                                    <p:cond delay="0"/>
-                                  </p:stCondLst>
-                                  <p:childTnLst>
-                                    <p:set>
-                                      <p:cBhvr>
-                                        <p:cTn id="20" dur="1" fill="hold">
-                                          <p:stCondLst>
-                                            <p:cond delay="0"/>
-                                          </p:stCondLst>
-                                        </p:cTn>
-                                        <p:tgtEl>
-                                          <p:spTgt spid="15"/>
-                                        </p:tgtEl>
-                                        <p:attrNameLst>
-                                          <p:attrName>style.visibility</p:attrName>
-                                        </p:attrNameLst>
-                                      </p:cBhvr>
-                                      <p:to>
-                                        <p:strVal val="visible"/>
-                                      </p:to>
-                                    </p:set>
-                                    <p:animEffect transition="in" filter="wipe(up)">
-                                      <p:cBhvr>
-                                        <p:cTn id="21" dur="500"/>
-                                        <p:tgtEl>
-                                          <p:spTgt spid="15"/>
-                                        </p:tgtEl>
-                                      </p:cBhvr>
-                                    </p:animEffect>
-                                  </p:childTnLst>
-                                </p:cTn>
-                              </p:par>
-                              <p:par>
-                                <p:cTn id="22" presetID="2" presetClass="entr" presetSubtype="8" fill="hold" grpId="0" nodeType="withEffect">
-                                  <p:stCondLst>
-                                    <p:cond delay="0"/>
-                                  </p:stCondLst>
-                                  <p:childTnLst>
-                                    <p:set>
-                                      <p:cBhvr>
-                                        <p:cTn id="23" dur="1" fill="hold">
-                                          <p:stCondLst>
-                                            <p:cond delay="0"/>
-                                          </p:stCondLst>
-                                        </p:cTn>
-                                        <p:tgtEl>
-                                          <p:spTgt spid="22"/>
-                                        </p:tgtEl>
-                                        <p:attrNameLst>
-                                          <p:attrName>style.visibility</p:attrName>
-                                        </p:attrNameLst>
-                                      </p:cBhvr>
-                                      <p:to>
-                                        <p:strVal val="visible"/>
-                                      </p:to>
-                                    </p:set>
-                                    <p:anim calcmode="lin" valueType="num">
-                                      <p:cBhvr additive="base">
-                                        <p:cTn id="24" dur="500" fill="hold"/>
-                                        <p:tgtEl>
-                                          <p:spTgt spid="22"/>
-                                        </p:tgtEl>
-                                        <p:attrNameLst>
-                                          <p:attrName>ppt_x</p:attrName>
-                                        </p:attrNameLst>
-                                      </p:cBhvr>
-                                      <p:tavLst>
-                                        <p:tav tm="0">
-                                          <p:val>
-                                            <p:strVal val="0-#ppt_w/2"/>
-                                          </p:val>
-                                        </p:tav>
-                                        <p:tav tm="100000">
-                                          <p:val>
-                                            <p:strVal val="#ppt_x"/>
-                                          </p:val>
-                                        </p:tav>
-                                      </p:tavLst>
-                                    </p:anim>
-                                    <p:anim calcmode="lin" valueType="num">
-                                      <p:cBhvr additive="base">
-                                        <p:cTn id="25" dur="500" fill="hold"/>
-                                        <p:tgtEl>
-                                          <p:spTgt spid="22"/>
-                                        </p:tgtEl>
-                                        <p:attrNameLst>
-                                          <p:attrName>ppt_y</p:attrName>
-                                        </p:attrNameLst>
-                                      </p:cBhvr>
-                                      <p:tavLst>
-                                        <p:tav tm="0">
-                                          <p:val>
-                                            <p:strVal val="#ppt_y"/>
-                                          </p:val>
-                                        </p:tav>
-                                        <p:tav tm="100000">
-                                          <p:val>
-                                            <p:strVal val="#ppt_y"/>
-                                          </p:val>
-                                        </p:tav>
-                                      </p:tavLst>
-                                    </p:anim>
-                                  </p:childTnLst>
-                                </p:cTn>
-                              </p:par>
-                              <p:par>
-                                <p:cTn id="26" presetID="2" presetClass="entr" presetSubtype="8" fill="hold" grpId="0" nodeType="withEffect">
-                                  <p:stCondLst>
-                                    <p:cond delay="0"/>
-                                  </p:stCondLst>
-                                  <p:childTnLst>
-                                    <p:set>
-                                      <p:cBhvr>
-                                        <p:cTn id="27" dur="1" fill="hold">
-                                          <p:stCondLst>
-                                            <p:cond delay="0"/>
-                                          </p:stCondLst>
-                                        </p:cTn>
-                                        <p:tgtEl>
-                                          <p:spTgt spid="23"/>
-                                        </p:tgtEl>
-                                        <p:attrNameLst>
-                                          <p:attrName>style.visibility</p:attrName>
-                                        </p:attrNameLst>
-                                      </p:cBhvr>
-                                      <p:to>
-                                        <p:strVal val="visible"/>
-                                      </p:to>
-                                    </p:set>
-                                    <p:anim calcmode="lin" valueType="num">
-                                      <p:cBhvr additive="base">
-                                        <p:cTn id="28" dur="500" fill="hold"/>
-                                        <p:tgtEl>
-                                          <p:spTgt spid="23"/>
-                                        </p:tgtEl>
-                                        <p:attrNameLst>
-                                          <p:attrName>ppt_x</p:attrName>
-                                        </p:attrNameLst>
-                                      </p:cBhvr>
-                                      <p:tavLst>
-                                        <p:tav tm="0">
-                                          <p:val>
-                                            <p:strVal val="0-#ppt_w/2"/>
-                                          </p:val>
-                                        </p:tav>
-                                        <p:tav tm="100000">
-                                          <p:val>
-                                            <p:strVal val="#ppt_x"/>
-                                          </p:val>
-                                        </p:tav>
-                                      </p:tavLst>
-                                    </p:anim>
-                                    <p:anim calcmode="lin" valueType="num">
-                                      <p:cBhvr additive="base">
-                                        <p:cTn id="29" dur="500" fill="hold"/>
-                                        <p:tgtEl>
-                                          <p:spTgt spid="23"/>
-                                        </p:tgtEl>
-                                        <p:attrNameLst>
-                                          <p:attrName>ppt_y</p:attrName>
-                                        </p:attrNameLst>
-                                      </p:cBhvr>
-                                      <p:tavLst>
-                                        <p:tav tm="0">
-                                          <p:val>
-                                            <p:strVal val="#ppt_y"/>
-                                          </p:val>
-                                        </p:tav>
-                                        <p:tav tm="100000">
-                                          <p:val>
-                                            <p:strVal val="#ppt_y"/>
-                                          </p:val>
-                                        </p:tav>
-                                      </p:tavLst>
-                                    </p:anim>
-                                  </p:childTnLst>
-                                </p:cTn>
-                              </p:par>
-                              <p:par>
-                                <p:cTn id="30" presetID="2" presetClass="entr" presetSubtype="8" fill="hold" grpId="0" nodeType="withEffect">
-                                  <p:stCondLst>
-                                    <p:cond delay="0"/>
-                                  </p:stCondLst>
-                                  <p:childTnLst>
-                                    <p:set>
-                                      <p:cBhvr>
-                                        <p:cTn id="31" dur="1" fill="hold">
-                                          <p:stCondLst>
-                                            <p:cond delay="0"/>
-                                          </p:stCondLst>
-                                        </p:cTn>
-                                        <p:tgtEl>
-                                          <p:spTgt spid="24"/>
-                                        </p:tgtEl>
-                                        <p:attrNameLst>
-                                          <p:attrName>style.visibility</p:attrName>
-                                        </p:attrNameLst>
-                                      </p:cBhvr>
-                                      <p:to>
-                                        <p:strVal val="visible"/>
-                                      </p:to>
-                                    </p:set>
-                                    <p:anim calcmode="lin" valueType="num">
-                                      <p:cBhvr additive="base">
-                                        <p:cTn id="32" dur="500" fill="hold"/>
-                                        <p:tgtEl>
-                                          <p:spTgt spid="24"/>
-                                        </p:tgtEl>
-                                        <p:attrNameLst>
-                                          <p:attrName>ppt_x</p:attrName>
-                                        </p:attrNameLst>
-                                      </p:cBhvr>
-                                      <p:tavLst>
-                                        <p:tav tm="0">
-                                          <p:val>
-                                            <p:strVal val="0-#ppt_w/2"/>
-                                          </p:val>
-                                        </p:tav>
-                                        <p:tav tm="100000">
-                                          <p:val>
-                                            <p:strVal val="#ppt_x"/>
-                                          </p:val>
-                                        </p:tav>
-                                      </p:tavLst>
-                                    </p:anim>
-                                    <p:anim calcmode="lin" valueType="num">
-                                      <p:cBhvr additive="base">
-                                        <p:cTn id="33" dur="500" fill="hold"/>
-                                        <p:tgtEl>
-                                          <p:spTgt spid="24"/>
-                                        </p:tgtEl>
-                                        <p:attrNameLst>
-                                          <p:attrName>ppt_y</p:attrName>
-                                        </p:attrNameLst>
-                                      </p:cBhvr>
-                                      <p:tavLst>
-                                        <p:tav tm="0">
-                                          <p:val>
-                                            <p:strVal val="#ppt_y"/>
-                                          </p:val>
-                                        </p:tav>
-                                        <p:tav tm="100000">
-                                          <p:val>
-                                            <p:strVal val="#ppt_y"/>
-                                          </p:val>
-                                        </p:tav>
-                                      </p:tavLst>
-                                    </p:anim>
-                                  </p:childTnLst>
-                                </p:cTn>
-                              </p:par>
-                              <p:par>
-                                <p:cTn id="34" presetID="22" presetClass="entr" presetSubtype="1" fill="hold" nodeType="withEffect">
-                                  <p:stCondLst>
-                                    <p:cond delay="0"/>
-                                  </p:stCondLst>
-                                  <p:childTnLst>
-                                    <p:set>
-                                      <p:cBhvr>
-                                        <p:cTn id="35" dur="1" fill="hold">
-                                          <p:stCondLst>
-                                            <p:cond delay="0"/>
-                                          </p:stCondLst>
-                                        </p:cTn>
-                                        <p:tgtEl>
-                                          <p:spTgt spid="25"/>
-                                        </p:tgtEl>
-                                        <p:attrNameLst>
-                                          <p:attrName>style.visibility</p:attrName>
-                                        </p:attrNameLst>
-                                      </p:cBhvr>
-                                      <p:to>
-                                        <p:strVal val="visible"/>
-                                      </p:to>
-                                    </p:set>
-                                    <p:animEffect transition="in" filter="wipe(up)">
-                                      <p:cBhvr>
-                                        <p:cTn id="36" dur="500"/>
-                                        <p:tgtEl>
-                                          <p:spTgt spid="25"/>
-                                        </p:tgtEl>
-                                      </p:cBhvr>
-                                    </p:animEffect>
-                                  </p:childTnLst>
-                                </p:cTn>
-                              </p:par>
-                              <p:par>
-                                <p:cTn id="37" presetID="22" presetClass="entr" presetSubtype="1" fill="hold" nodeType="withEffect">
-                                  <p:stCondLst>
-                                    <p:cond delay="0"/>
-                                  </p:stCondLst>
-                                  <p:childTnLst>
-                                    <p:set>
-                                      <p:cBhvr>
-                                        <p:cTn id="38" dur="1" fill="hold">
-                                          <p:stCondLst>
-                                            <p:cond delay="0"/>
-                                          </p:stCondLst>
-                                        </p:cTn>
-                                        <p:tgtEl>
-                                          <p:spTgt spid="26"/>
-                                        </p:tgtEl>
-                                        <p:attrNameLst>
-                                          <p:attrName>style.visibility</p:attrName>
-                                        </p:attrNameLst>
-                                      </p:cBhvr>
-                                      <p:to>
-                                        <p:strVal val="visible"/>
-                                      </p:to>
-                                    </p:set>
-                                    <p:animEffect transition="in" filter="wipe(up)">
-                                      <p:cBhvr>
-                                        <p:cTn id="39" dur="500"/>
-                                        <p:tgtEl>
-                                          <p:spTgt spid="26"/>
-                                        </p:tgtEl>
-                                      </p:cBhvr>
-                                    </p:animEffect>
-                                  </p:childTnLst>
-                                </p:cTn>
-                              </p:par>
-                            </p:childTnLst>
-                          </p:cTn>
-                        </p:par>
-                      </p:childTnLst>
-                    </p:cTn>
-                  </p:par>
-                </p:childTnLst>
-              </p:cTn>
-              <p:prevCondLst>
-                <p:cond evt="onPrev" delay="0">
-                  <p:tgtEl>
-                    <p:sldTgt/>
-                  </p:tgtEl>
-                </p:cond>
-              </p:prevCondLst>
-              <p:nextCondLst>
-                <p:cond evt="onNext" delay="0">
-                  <p:tgtEl>
-                    <p:sldTgt/>
-                  </p:tgtEl>
-                </p:cond>
-              </p:nextCondLst>
-            </p:seq>
-          </p:childTnLst>
-        </p:cTn>
+        <p:cTn id="1" dur="indefinite" restart="never" nodeType="tmRoot"/>
       </p:par>
     </p:tnLst>
-    <p:bldLst>
-      <p:bldP spid="18" grpId="0" animBg="1"/>
-      <p:bldP spid="20" grpId="0" animBg="1"/>
-      <p:bldP spid="22" grpId="0" animBg="1"/>
-      <p:bldP spid="23" grpId="0" animBg="1"/>
-      <p:bldP spid="24" grpId="0" animBg="1"/>
-    </p:bldLst>
   </p:timing>
 </p:sld>
 </file>
@@ -33716,6 +33205,13 @@
   <p:clrMapOvr>
     <a:masterClrMapping/>
   </p:clrMapOvr>
+  <p:timing>
+    <p:tnLst>
+      <p:par>
+        <p:cTn id="1" dur="indefinite" restart="never" nodeType="tmRoot"/>
+      </p:par>
+    </p:tnLst>
+  </p:timing>
 </p:sld>
 </file>
 
@@ -36872,7 +36368,7 @@
           <p:cNvPr id="15" name="Picture 2">
             <a:extLst>
               <a:ext uri="{FF2B5EF4-FFF2-40B4-BE49-F238E27FC236}">
-                <a16:creationId xmlns="" xmlns:a16="http://schemas.microsoft.com/office/drawing/2014/main" id="{0E29CE24-467E-4E5D-8F32-05EDA2BB01B3}"/>
+                <a16:creationId xmlns:a16="http://schemas.microsoft.com/office/drawing/2014/main" xmlns="" id="{0E29CE24-467E-4E5D-8F32-05EDA2BB01B3}"/>
               </a:ext>
             </a:extLst>
           </p:cNvPr>
@@ -38054,7 +37550,7 @@
   <a:extraClrSchemeLst/>
   <a:extLst>
     <a:ext uri="{05A4C25C-085E-4340-85A3-A5531E510DB2}">
-      <thm15:themeFamily xmlns="" xmlns:thm15="http://schemas.microsoft.com/office/thememl/2012/main" name="Office Theme" id="{62F939B6-93AF-4DB8-9C6B-D6C7DFDC589F}" vid="{4A3C46E8-61CC-4603-A589-7422A47A8E4A}"/>
+      <thm15:themeFamily xmlns:thm15="http://schemas.microsoft.com/office/thememl/2012/main" xmlns="" name="Office Theme" id="{62F939B6-93AF-4DB8-9C6B-D6C7DFDC589F}" vid="{4A3C46E8-61CC-4603-A589-7422A47A8E4A}"/>
     </a:ext>
   </a:extLst>
 </a:theme>
